--- a/21-fs-ias-lec/groups/02-ChatApplikationSketch/presentation/BACnet_zwischenstand.pptx
+++ b/21-fs-ias-lec/groups/02-ChatApplikationSketch/presentation/BACnet_zwischenstand.pptx
@@ -5,11 +5,13 @@
     <p:sldMasterId id="2147483648" r:id="rId1"/>
   </p:sldMasterIdLst>
   <p:notesMasterIdLst>
-    <p:notesMasterId r:id="rId4"/>
+    <p:notesMasterId r:id="rId6"/>
   </p:notesMasterIdLst>
   <p:sldIdLst>
     <p:sldId id="256" r:id="rId2"/>
     <p:sldId id="257" r:id="rId3"/>
+    <p:sldId id="258" r:id="rId4"/>
+    <p:sldId id="259" r:id="rId5"/>
   </p:sldIdLst>
   <p:sldSz cx="12192000" cy="6858000"/>
   <p:notesSz cx="6858000" cy="9144000"/>
@@ -2650,7 +2652,7 @@
           <a:p>
             <a:fld id="{C3398270-39C5-7F48-9BF9-85FC76E8FCB2}" type="datetimeFigureOut">
               <a:rPr lang="de-CH" smtClean="0"/>
-              <a:t>10.05.21</a:t>
+              <a:t>11.05.2021</a:t>
             </a:fld>
             <a:endParaRPr lang="de-CH"/>
           </a:p>
@@ -3151,7 +3153,7 @@
           <a:p>
             <a:fld id="{EDFB259E-4D82-174D-996F-A86321A2AD19}" type="datetimeFigureOut">
               <a:rPr lang="de-CH" smtClean="0"/>
-              <a:t>10.05.21</a:t>
+              <a:t>11.05.2021</a:t>
             </a:fld>
             <a:endParaRPr lang="de-CH"/>
           </a:p>
@@ -3351,7 +3353,7 @@
           <a:p>
             <a:fld id="{EDFB259E-4D82-174D-996F-A86321A2AD19}" type="datetimeFigureOut">
               <a:rPr lang="de-CH" smtClean="0"/>
-              <a:t>10.05.21</a:t>
+              <a:t>11.05.2021</a:t>
             </a:fld>
             <a:endParaRPr lang="de-CH"/>
           </a:p>
@@ -3561,7 +3563,7 @@
           <a:p>
             <a:fld id="{EDFB259E-4D82-174D-996F-A86321A2AD19}" type="datetimeFigureOut">
               <a:rPr lang="de-CH" smtClean="0"/>
-              <a:t>10.05.21</a:t>
+              <a:t>11.05.2021</a:t>
             </a:fld>
             <a:endParaRPr lang="de-CH"/>
           </a:p>
@@ -3761,7 +3763,7 @@
           <a:p>
             <a:fld id="{EDFB259E-4D82-174D-996F-A86321A2AD19}" type="datetimeFigureOut">
               <a:rPr lang="de-CH" smtClean="0"/>
-              <a:t>10.05.21</a:t>
+              <a:t>11.05.2021</a:t>
             </a:fld>
             <a:endParaRPr lang="de-CH"/>
           </a:p>
@@ -4037,7 +4039,7 @@
           <a:p>
             <a:fld id="{EDFB259E-4D82-174D-996F-A86321A2AD19}" type="datetimeFigureOut">
               <a:rPr lang="de-CH" smtClean="0"/>
-              <a:t>10.05.21</a:t>
+              <a:t>11.05.2021</a:t>
             </a:fld>
             <a:endParaRPr lang="de-CH"/>
           </a:p>
@@ -4305,7 +4307,7 @@
           <a:p>
             <a:fld id="{EDFB259E-4D82-174D-996F-A86321A2AD19}" type="datetimeFigureOut">
               <a:rPr lang="de-CH" smtClean="0"/>
-              <a:t>10.05.21</a:t>
+              <a:t>11.05.2021</a:t>
             </a:fld>
             <a:endParaRPr lang="de-CH"/>
           </a:p>
@@ -4720,7 +4722,7 @@
           <a:p>
             <a:fld id="{EDFB259E-4D82-174D-996F-A86321A2AD19}" type="datetimeFigureOut">
               <a:rPr lang="de-CH" smtClean="0"/>
-              <a:t>10.05.21</a:t>
+              <a:t>11.05.2021</a:t>
             </a:fld>
             <a:endParaRPr lang="de-CH"/>
           </a:p>
@@ -4862,7 +4864,7 @@
           <a:p>
             <a:fld id="{EDFB259E-4D82-174D-996F-A86321A2AD19}" type="datetimeFigureOut">
               <a:rPr lang="de-CH" smtClean="0"/>
-              <a:t>10.05.21</a:t>
+              <a:t>11.05.2021</a:t>
             </a:fld>
             <a:endParaRPr lang="de-CH"/>
           </a:p>
@@ -4975,7 +4977,7 @@
           <a:p>
             <a:fld id="{EDFB259E-4D82-174D-996F-A86321A2AD19}" type="datetimeFigureOut">
               <a:rPr lang="de-CH" smtClean="0"/>
-              <a:t>10.05.21</a:t>
+              <a:t>11.05.2021</a:t>
             </a:fld>
             <a:endParaRPr lang="de-CH"/>
           </a:p>
@@ -5288,7 +5290,7 @@
           <a:p>
             <a:fld id="{EDFB259E-4D82-174D-996F-A86321A2AD19}" type="datetimeFigureOut">
               <a:rPr lang="de-CH" smtClean="0"/>
-              <a:t>10.05.21</a:t>
+              <a:t>11.05.2021</a:t>
             </a:fld>
             <a:endParaRPr lang="de-CH"/>
           </a:p>
@@ -5577,7 +5579,7 @@
           <a:p>
             <a:fld id="{EDFB259E-4D82-174D-996F-A86321A2AD19}" type="datetimeFigureOut">
               <a:rPr lang="de-CH" smtClean="0"/>
-              <a:t>10.05.21</a:t>
+              <a:t>11.05.2021</a:t>
             </a:fld>
             <a:endParaRPr lang="de-CH"/>
           </a:p>
@@ -5820,7 +5822,7 @@
           <a:p>
             <a:fld id="{EDFB259E-4D82-174D-996F-A86321A2AD19}" type="datetimeFigureOut">
               <a:rPr lang="de-CH" smtClean="0"/>
-              <a:t>10.05.21</a:t>
+              <a:t>11.05.2021</a:t>
             </a:fld>
             <a:endParaRPr lang="de-CH"/>
           </a:p>
@@ -7538,7 +7540,7 @@
             <p:ph idx="1"/>
             <p:extLst>
               <p:ext uri="{D42A27DB-BD31-4B8C-83A1-F6EECF244321}">
-                <p14:modId xmlns:p14="http://schemas.microsoft.com/office/powerpoint/2010/main" val="1370173585"/>
+                <p14:modId xmlns:p14="http://schemas.microsoft.com/office/powerpoint/2010/main" val="1645385717"/>
               </p:ext>
             </p:extLst>
           </p:nvPr>
@@ -8043,6 +8045,22 @@
                 </a:solidFill>
               </a:rPr>
               <a:t>Tkinter</a:t>
+            </a:r>
+            <a:endParaRPr lang="de-CH" dirty="0">
+              <a:solidFill>
+                <a:srgbClr val="002060"/>
+              </a:solidFill>
+            </a:endParaRPr>
+          </a:p>
+          <a:p>
+            <a:pPr lvl="1"/>
+            <a:r>
+              <a:rPr lang="de-CH" dirty="0" err="1">
+                <a:solidFill>
+                  <a:srgbClr val="002060"/>
+                </a:solidFill>
+              </a:rPr>
+              <a:t>Ghostscript</a:t>
             </a:r>
             <a:endParaRPr lang="de-CH" dirty="0">
               <a:solidFill>
@@ -8246,6 +8264,1142 @@
       <p:bldP spid="15" grpId="1"/>
     </p:bldLst>
   </p:timing>
+</p:sld>
+</file>
+
+<file path=ppt/slides/slide3.xml><?xml version="1.0" encoding="utf-8"?>
+<p:sld xmlns:a="http://schemas.openxmlformats.org/drawingml/2006/main" xmlns:r="http://schemas.openxmlformats.org/officeDocument/2006/relationships" xmlns:p="http://schemas.openxmlformats.org/presentationml/2006/main">
+  <p:cSld>
+    <p:bg>
+      <p:bgPr>
+        <a:solidFill>
+          <a:schemeClr val="bg1"/>
+        </a:solidFill>
+        <a:effectLst/>
+      </p:bgPr>
+    </p:bg>
+    <p:spTree>
+      <p:nvGrpSpPr>
+        <p:cNvPr id="1" name=""/>
+        <p:cNvGrpSpPr/>
+        <p:nvPr/>
+      </p:nvGrpSpPr>
+      <p:grpSpPr>
+        <a:xfrm>
+          <a:off x="0" y="0"/>
+          <a:ext cx="0" cy="0"/>
+          <a:chOff x="0" y="0"/>
+          <a:chExt cx="0" cy="0"/>
+        </a:xfrm>
+      </p:grpSpPr>
+      <p:sp>
+        <p:nvSpPr>
+          <p:cNvPr id="8" name="Rectangle 7">
+            <a:extLst>
+              <a:ext uri="{FF2B5EF4-FFF2-40B4-BE49-F238E27FC236}">
+                <a16:creationId xmlns:a16="http://schemas.microsoft.com/office/drawing/2014/main" id="{2B566528-1B12-4246-9431-5C2D7D081168}"/>
+              </a:ext>
+              <a:ext uri="{C183D7F6-B498-43B3-948B-1728B52AA6E4}">
+                <adec:decorative xmlns:adec="http://schemas.microsoft.com/office/drawing/2017/decorative" val="1"/>
+              </a:ext>
+            </a:extLst>
+          </p:cNvPr>
+          <p:cNvSpPr>
+            <a:spLocks noGrp="1" noRot="1" noChangeAspect="1" noMove="1" noResize="1" noEditPoints="1" noAdjustHandles="1" noChangeArrowheads="1" noChangeShapeType="1" noTextEdit="1"/>
+          </p:cNvSpPr>
+          <p:nvPr>
+            <p:extLst>
+              <p:ext uri="{386F3935-93C4-4BCD-93E2-E3B085C9AB24}">
+                <p16:designElem xmlns:p16="http://schemas.microsoft.com/office/powerpoint/2015/main" val="1"/>
+              </p:ext>
+            </p:extLst>
+          </p:nvPr>
+        </p:nvSpPr>
+        <p:spPr>
+          <a:xfrm>
+            <a:off x="0" y="0"/>
+            <a:ext cx="12192000" cy="6858000"/>
+          </a:xfrm>
+          <a:prstGeom prst="rect">
+            <a:avLst/>
+          </a:prstGeom>
+          <a:solidFill>
+            <a:schemeClr val="bg1"/>
+          </a:solidFill>
+          <a:ln>
+            <a:noFill/>
+          </a:ln>
+        </p:spPr>
+        <p:style>
+          <a:lnRef idx="2">
+            <a:schemeClr val="accent1">
+              <a:shade val="50000"/>
+            </a:schemeClr>
+          </a:lnRef>
+          <a:fillRef idx="1">
+            <a:schemeClr val="accent1"/>
+          </a:fillRef>
+          <a:effectRef idx="0">
+            <a:schemeClr val="accent1"/>
+          </a:effectRef>
+          <a:fontRef idx="minor">
+            <a:schemeClr val="lt1"/>
+          </a:fontRef>
+        </p:style>
+        <p:txBody>
+          <a:bodyPr rtlCol="0" anchor="ctr"/>
+          <a:lstStyle/>
+          <a:p>
+            <a:pPr algn="ctr"/>
+            <a:endParaRPr lang="en-US" dirty="0"/>
+          </a:p>
+        </p:txBody>
+      </p:sp>
+      <p:sp>
+        <p:nvSpPr>
+          <p:cNvPr id="3" name="Inhaltsplatzhalter 2">
+            <a:extLst>
+              <a:ext uri="{FF2B5EF4-FFF2-40B4-BE49-F238E27FC236}">
+                <a16:creationId xmlns:a16="http://schemas.microsoft.com/office/drawing/2014/main" id="{1155412B-76F2-4C64-AB03-C9D13711F20B}"/>
+              </a:ext>
+            </a:extLst>
+          </p:cNvPr>
+          <p:cNvSpPr>
+            <a:spLocks noGrp="1"/>
+          </p:cNvSpPr>
+          <p:nvPr>
+            <p:ph idx="1"/>
+          </p:nvPr>
+        </p:nvSpPr>
+        <p:spPr>
+          <a:xfrm>
+            <a:off x="643467" y="543147"/>
+            <a:ext cx="10905066" cy="5633816"/>
+          </a:xfrm>
+        </p:spPr>
+        <p:txBody>
+          <a:bodyPr anchor="ctr">
+            <a:normAutofit/>
+          </a:bodyPr>
+          <a:lstStyle/>
+          <a:p>
+            <a:pPr marL="0" indent="0" algn="ctr">
+              <a:buNone/>
+            </a:pPr>
+            <a:r>
+              <a:rPr lang="de-CH" sz="8000" b="1" dirty="0">
+                <a:solidFill>
+                  <a:srgbClr val="002060"/>
+                </a:solidFill>
+              </a:rPr>
+              <a:t>Demo</a:t>
+            </a:r>
+          </a:p>
+        </p:txBody>
+      </p:sp>
+      <p:sp>
+        <p:nvSpPr>
+          <p:cNvPr id="10" name="Rectangle 9">
+            <a:extLst>
+              <a:ext uri="{FF2B5EF4-FFF2-40B4-BE49-F238E27FC236}">
+                <a16:creationId xmlns:a16="http://schemas.microsoft.com/office/drawing/2014/main" id="{2E80C965-DB6D-4F81-9E9E-B027384D0BD6}"/>
+              </a:ext>
+              <a:ext uri="{C183D7F6-B498-43B3-948B-1728B52AA6E4}">
+                <adec:decorative xmlns:adec="http://schemas.microsoft.com/office/drawing/2017/decorative" val="1"/>
+              </a:ext>
+            </a:extLst>
+          </p:cNvPr>
+          <p:cNvSpPr>
+            <a:spLocks noGrp="1" noRot="1" noChangeAspect="1" noMove="1" noResize="1" noEditPoints="1" noAdjustHandles="1" noChangeArrowheads="1" noChangeShapeType="1" noTextEdit="1"/>
+          </p:cNvSpPr>
+          <p:nvPr>
+            <p:extLst>
+              <p:ext uri="{386F3935-93C4-4BCD-93E2-E3B085C9AB24}">
+                <p16:designElem xmlns:p16="http://schemas.microsoft.com/office/powerpoint/2015/main" val="1"/>
+              </p:ext>
+            </p:extLst>
+          </p:nvPr>
+        </p:nvSpPr>
+        <p:spPr>
+          <a:xfrm rot="2700000">
+            <a:off x="11052629" y="2120024"/>
+            <a:ext cx="645368" cy="645368"/>
+          </a:xfrm>
+          <a:prstGeom prst="rect">
+            <a:avLst/>
+          </a:prstGeom>
+          <a:solidFill>
+            <a:schemeClr val="accent4">
+              <a:alpha val="30000"/>
+            </a:schemeClr>
+          </a:solidFill>
+          <a:ln>
+            <a:noFill/>
+          </a:ln>
+        </p:spPr>
+        <p:style>
+          <a:lnRef idx="2">
+            <a:schemeClr val="accent1">
+              <a:shade val="50000"/>
+            </a:schemeClr>
+          </a:lnRef>
+          <a:fillRef idx="1">
+            <a:schemeClr val="accent1"/>
+          </a:fillRef>
+          <a:effectRef idx="0">
+            <a:schemeClr val="accent1"/>
+          </a:effectRef>
+          <a:fontRef idx="minor">
+            <a:schemeClr val="lt1"/>
+          </a:fontRef>
+        </p:style>
+        <p:txBody>
+          <a:bodyPr rtlCol="0" anchor="ctr"/>
+          <a:lstStyle/>
+          <a:p>
+            <a:pPr algn="ctr"/>
+            <a:endParaRPr lang="en-US"/>
+          </a:p>
+        </p:txBody>
+      </p:sp>
+      <p:sp>
+        <p:nvSpPr>
+          <p:cNvPr id="12" name="Isosceles Triangle 11">
+            <a:extLst>
+              <a:ext uri="{FF2B5EF4-FFF2-40B4-BE49-F238E27FC236}">
+                <a16:creationId xmlns:a16="http://schemas.microsoft.com/office/drawing/2014/main" id="{A580F890-B085-4E95-96AA-55AEBEC5CE6E}"/>
+              </a:ext>
+              <a:ext uri="{C183D7F6-B498-43B3-948B-1728B52AA6E4}">
+                <adec:decorative xmlns:adec="http://schemas.microsoft.com/office/drawing/2017/decorative" val="1"/>
+              </a:ext>
+            </a:extLst>
+          </p:cNvPr>
+          <p:cNvSpPr>
+            <a:spLocks noGrp="1" noRot="1" noChangeAspect="1" noMove="1" noResize="1" noEditPoints="1" noAdjustHandles="1" noChangeArrowheads="1" noChangeShapeType="1" noTextEdit="1"/>
+          </p:cNvSpPr>
+          <p:nvPr>
+            <p:extLst>
+              <p:ext uri="{386F3935-93C4-4BCD-93E2-E3B085C9AB24}">
+                <p16:designElem xmlns:p16="http://schemas.microsoft.com/office/powerpoint/2015/main" val="1"/>
+              </p:ext>
+            </p:extLst>
+          </p:nvPr>
+        </p:nvSpPr>
+        <p:spPr>
+          <a:xfrm rot="16200000">
+            <a:off x="10289068" y="1343027"/>
+            <a:ext cx="2532832" cy="1273032"/>
+          </a:xfrm>
+          <a:prstGeom prst="triangle">
+            <a:avLst>
+              <a:gd name="adj" fmla="val 50000"/>
+            </a:avLst>
+          </a:prstGeom>
+          <a:solidFill>
+            <a:schemeClr val="accent4">
+              <a:alpha val="30000"/>
+            </a:schemeClr>
+          </a:solidFill>
+          <a:ln>
+            <a:noFill/>
+          </a:ln>
+        </p:spPr>
+        <p:style>
+          <a:lnRef idx="2">
+            <a:schemeClr val="accent1">
+              <a:shade val="50000"/>
+            </a:schemeClr>
+          </a:lnRef>
+          <a:fillRef idx="1">
+            <a:schemeClr val="accent1"/>
+          </a:fillRef>
+          <a:effectRef idx="0">
+            <a:schemeClr val="accent1"/>
+          </a:effectRef>
+          <a:fontRef idx="minor">
+            <a:schemeClr val="lt1"/>
+          </a:fontRef>
+        </p:style>
+        <p:txBody>
+          <a:bodyPr rtlCol="0" anchor="ctr"/>
+          <a:lstStyle/>
+          <a:p>
+            <a:pPr algn="ctr"/>
+            <a:endParaRPr lang="en-US"/>
+          </a:p>
+        </p:txBody>
+      </p:sp>
+      <p:sp>
+        <p:nvSpPr>
+          <p:cNvPr id="14" name="Isosceles Triangle 13">
+            <a:extLst>
+              <a:ext uri="{FF2B5EF4-FFF2-40B4-BE49-F238E27FC236}">
+                <a16:creationId xmlns:a16="http://schemas.microsoft.com/office/drawing/2014/main" id="{D3F51FEB-38FB-4F6C-9F7B-2F2AFAB65463}"/>
+              </a:ext>
+              <a:ext uri="{C183D7F6-B498-43B3-948B-1728B52AA6E4}">
+                <adec:decorative xmlns:adec="http://schemas.microsoft.com/office/drawing/2017/decorative" val="1"/>
+              </a:ext>
+            </a:extLst>
+          </p:cNvPr>
+          <p:cNvSpPr>
+            <a:spLocks noGrp="1" noRot="1" noChangeAspect="1" noMove="1" noResize="1" noEditPoints="1" noAdjustHandles="1" noChangeArrowheads="1" noChangeShapeType="1" noTextEdit="1"/>
+          </p:cNvSpPr>
+          <p:nvPr>
+            <p:extLst>
+              <p:ext uri="{386F3935-93C4-4BCD-93E2-E3B085C9AB24}">
+                <p16:designElem xmlns:p16="http://schemas.microsoft.com/office/powerpoint/2015/main" val="1"/>
+              </p:ext>
+            </p:extLst>
+          </p:nvPr>
+        </p:nvSpPr>
+        <p:spPr>
+          <a:xfrm rot="5400000">
+            <a:off x="-501760" y="5103257"/>
+            <a:ext cx="2017580" cy="1014060"/>
+          </a:xfrm>
+          <a:prstGeom prst="triangle">
+            <a:avLst>
+              <a:gd name="adj" fmla="val 50000"/>
+            </a:avLst>
+          </a:prstGeom>
+          <a:solidFill>
+            <a:schemeClr val="accent1">
+              <a:alpha val="30000"/>
+            </a:schemeClr>
+          </a:solidFill>
+          <a:ln>
+            <a:noFill/>
+          </a:ln>
+        </p:spPr>
+        <p:style>
+          <a:lnRef idx="2">
+            <a:schemeClr val="accent1">
+              <a:shade val="50000"/>
+            </a:schemeClr>
+          </a:lnRef>
+          <a:fillRef idx="1">
+            <a:schemeClr val="accent1"/>
+          </a:fillRef>
+          <a:effectRef idx="0">
+            <a:schemeClr val="accent1"/>
+          </a:effectRef>
+          <a:fontRef idx="minor">
+            <a:schemeClr val="lt1"/>
+          </a:fontRef>
+        </p:style>
+        <p:txBody>
+          <a:bodyPr wrap="square" rtlCol="0" anchor="ctr">
+            <a:noAutofit/>
+          </a:bodyPr>
+          <a:lstStyle/>
+          <a:p>
+            <a:pPr algn="ctr"/>
+            <a:endParaRPr lang="en-US"/>
+          </a:p>
+        </p:txBody>
+      </p:sp>
+      <p:sp>
+        <p:nvSpPr>
+          <p:cNvPr id="16" name="Rectangle 15">
+            <a:extLst>
+              <a:ext uri="{FF2B5EF4-FFF2-40B4-BE49-F238E27FC236}">
+                <a16:creationId xmlns:a16="http://schemas.microsoft.com/office/drawing/2014/main" id="{1E547BA6-BAE0-43BB-A7CA-60F69CE252F0}"/>
+              </a:ext>
+              <a:ext uri="{C183D7F6-B498-43B3-948B-1728B52AA6E4}">
+                <adec:decorative xmlns:adec="http://schemas.microsoft.com/office/drawing/2017/decorative" val="1"/>
+              </a:ext>
+            </a:extLst>
+          </p:cNvPr>
+          <p:cNvSpPr>
+            <a:spLocks noGrp="1" noRot="1" noChangeAspect="1" noMove="1" noResize="1" noEditPoints="1" noAdjustHandles="1" noChangeArrowheads="1" noChangeShapeType="1" noTextEdit="1"/>
+          </p:cNvSpPr>
+          <p:nvPr>
+            <p:extLst>
+              <p:ext uri="{386F3935-93C4-4BCD-93E2-E3B085C9AB24}">
+                <p16:designElem xmlns:p16="http://schemas.microsoft.com/office/powerpoint/2015/main" val="1"/>
+              </p:ext>
+            </p:extLst>
+          </p:nvPr>
+        </p:nvSpPr>
+        <p:spPr>
+          <a:xfrm rot="2700000">
+            <a:off x="427916" y="5728708"/>
+            <a:ext cx="485578" cy="485578"/>
+          </a:xfrm>
+          <a:prstGeom prst="rect">
+            <a:avLst/>
+          </a:prstGeom>
+          <a:solidFill>
+            <a:schemeClr val="accent1">
+              <a:alpha val="30000"/>
+            </a:schemeClr>
+          </a:solidFill>
+          <a:ln>
+            <a:noFill/>
+          </a:ln>
+        </p:spPr>
+        <p:style>
+          <a:lnRef idx="2">
+            <a:schemeClr val="accent1">
+              <a:shade val="50000"/>
+            </a:schemeClr>
+          </a:lnRef>
+          <a:fillRef idx="1">
+            <a:schemeClr val="accent1"/>
+          </a:fillRef>
+          <a:effectRef idx="0">
+            <a:schemeClr val="accent1"/>
+          </a:effectRef>
+          <a:fontRef idx="minor">
+            <a:schemeClr val="lt1"/>
+          </a:fontRef>
+        </p:style>
+        <p:txBody>
+          <a:bodyPr wrap="square" rtlCol="0" anchor="ctr">
+            <a:noAutofit/>
+          </a:bodyPr>
+          <a:lstStyle/>
+          <a:p>
+            <a:pPr algn="ctr"/>
+            <a:endParaRPr lang="en-US"/>
+          </a:p>
+        </p:txBody>
+      </p:sp>
+    </p:spTree>
+    <p:extLst>
+      <p:ext uri="{BB962C8B-B14F-4D97-AF65-F5344CB8AC3E}">
+        <p14:creationId xmlns:p14="http://schemas.microsoft.com/office/powerpoint/2010/main" val="1941681168"/>
+      </p:ext>
+    </p:extLst>
+  </p:cSld>
+  <p:clrMapOvr>
+    <a:masterClrMapping/>
+  </p:clrMapOvr>
+</p:sld>
+</file>
+
+<file path=ppt/slides/slide4.xml><?xml version="1.0" encoding="utf-8"?>
+<p:sld xmlns:a="http://schemas.openxmlformats.org/drawingml/2006/main" xmlns:r="http://schemas.openxmlformats.org/officeDocument/2006/relationships" xmlns:p="http://schemas.openxmlformats.org/presentationml/2006/main">
+  <p:cSld>
+    <p:bg>
+      <p:bgPr>
+        <a:solidFill>
+          <a:schemeClr val="bg1"/>
+        </a:solidFill>
+        <a:effectLst/>
+      </p:bgPr>
+    </p:bg>
+    <p:spTree>
+      <p:nvGrpSpPr>
+        <p:cNvPr id="1" name=""/>
+        <p:cNvGrpSpPr/>
+        <p:nvPr/>
+      </p:nvGrpSpPr>
+      <p:grpSpPr>
+        <a:xfrm>
+          <a:off x="0" y="0"/>
+          <a:ext cx="0" cy="0"/>
+          <a:chOff x="0" y="0"/>
+          <a:chExt cx="0" cy="0"/>
+        </a:xfrm>
+      </p:grpSpPr>
+      <p:sp>
+        <p:nvSpPr>
+          <p:cNvPr id="8" name="Rectangle 7">
+            <a:extLst>
+              <a:ext uri="{FF2B5EF4-FFF2-40B4-BE49-F238E27FC236}">
+                <a16:creationId xmlns:a16="http://schemas.microsoft.com/office/drawing/2014/main" id="{2B566528-1B12-4246-9431-5C2D7D081168}"/>
+              </a:ext>
+              <a:ext uri="{C183D7F6-B498-43B3-948B-1728B52AA6E4}">
+                <adec:decorative xmlns:adec="http://schemas.microsoft.com/office/drawing/2017/decorative" val="1"/>
+              </a:ext>
+            </a:extLst>
+          </p:cNvPr>
+          <p:cNvSpPr>
+            <a:spLocks noGrp="1" noRot="1" noChangeAspect="1" noMove="1" noResize="1" noEditPoints="1" noAdjustHandles="1" noChangeArrowheads="1" noChangeShapeType="1" noTextEdit="1"/>
+          </p:cNvSpPr>
+          <p:nvPr>
+            <p:extLst>
+              <p:ext uri="{386F3935-93C4-4BCD-93E2-E3B085C9AB24}">
+                <p16:designElem xmlns:p16="http://schemas.microsoft.com/office/powerpoint/2015/main" val="1"/>
+              </p:ext>
+            </p:extLst>
+          </p:nvPr>
+        </p:nvSpPr>
+        <p:spPr>
+          <a:xfrm>
+            <a:off x="0" y="0"/>
+            <a:ext cx="12192000" cy="6858000"/>
+          </a:xfrm>
+          <a:prstGeom prst="rect">
+            <a:avLst/>
+          </a:prstGeom>
+          <a:solidFill>
+            <a:schemeClr val="bg1"/>
+          </a:solidFill>
+          <a:ln>
+            <a:noFill/>
+          </a:ln>
+        </p:spPr>
+        <p:style>
+          <a:lnRef idx="2">
+            <a:schemeClr val="accent1">
+              <a:shade val="50000"/>
+            </a:schemeClr>
+          </a:lnRef>
+          <a:fillRef idx="1">
+            <a:schemeClr val="accent1"/>
+          </a:fillRef>
+          <a:effectRef idx="0">
+            <a:schemeClr val="accent1"/>
+          </a:effectRef>
+          <a:fontRef idx="minor">
+            <a:schemeClr val="lt1"/>
+          </a:fontRef>
+        </p:style>
+        <p:txBody>
+          <a:bodyPr rtlCol="0" anchor="ctr"/>
+          <a:lstStyle/>
+          <a:p>
+            <a:pPr algn="ctr"/>
+            <a:endParaRPr lang="en-US" dirty="0"/>
+          </a:p>
+        </p:txBody>
+      </p:sp>
+      <p:sp>
+        <p:nvSpPr>
+          <p:cNvPr id="2" name="Titel 1">
+            <a:extLst>
+              <a:ext uri="{FF2B5EF4-FFF2-40B4-BE49-F238E27FC236}">
+                <a16:creationId xmlns:a16="http://schemas.microsoft.com/office/drawing/2014/main" id="{B25C85E0-00D6-4E9E-AC06-55B25A93FD8E}"/>
+              </a:ext>
+            </a:extLst>
+          </p:cNvPr>
+          <p:cNvSpPr>
+            <a:spLocks noGrp="1"/>
+          </p:cNvSpPr>
+          <p:nvPr>
+            <p:ph type="title"/>
+          </p:nvPr>
+        </p:nvSpPr>
+        <p:spPr>
+          <a:xfrm>
+            <a:off x="643467" y="321734"/>
+            <a:ext cx="10905066" cy="1135737"/>
+          </a:xfrm>
+        </p:spPr>
+        <p:txBody>
+          <a:bodyPr>
+            <a:normAutofit/>
+          </a:bodyPr>
+          <a:lstStyle/>
+          <a:p>
+            <a:r>
+              <a:rPr lang="de-CH" sz="3600" dirty="0"/>
+              <a:t>Welche Fragen stehen im Moment an</a:t>
+            </a:r>
+          </a:p>
+        </p:txBody>
+      </p:sp>
+      <p:sp>
+        <p:nvSpPr>
+          <p:cNvPr id="3" name="Inhaltsplatzhalter 2">
+            <a:extLst>
+              <a:ext uri="{FF2B5EF4-FFF2-40B4-BE49-F238E27FC236}">
+                <a16:creationId xmlns:a16="http://schemas.microsoft.com/office/drawing/2014/main" id="{173E2ADC-4D4F-4CDA-AD64-60C0862FAF4E}"/>
+              </a:ext>
+            </a:extLst>
+          </p:cNvPr>
+          <p:cNvSpPr>
+            <a:spLocks noGrp="1"/>
+          </p:cNvSpPr>
+          <p:nvPr>
+            <p:ph idx="1"/>
+          </p:nvPr>
+        </p:nvSpPr>
+        <p:spPr>
+          <a:xfrm>
+            <a:off x="643467" y="1782981"/>
+            <a:ext cx="10905066" cy="1788488"/>
+          </a:xfrm>
+        </p:spPr>
+        <p:txBody>
+          <a:bodyPr>
+            <a:normAutofit/>
+          </a:bodyPr>
+          <a:lstStyle/>
+          <a:p>
+            <a:r>
+              <a:rPr lang="de-CH" sz="2000" dirty="0"/>
+              <a:t>Hintergrundfarbe anpassen beim Bild speichern</a:t>
+            </a:r>
+          </a:p>
+          <a:p>
+            <a:r>
+              <a:rPr lang="de-CH" sz="2000" dirty="0"/>
+              <a:t>Radiergummi momentan konstant weiss</a:t>
+            </a:r>
+          </a:p>
+          <a:p>
+            <a:r>
+              <a:rPr lang="de-CH" sz="2000" dirty="0"/>
+              <a:t>Farbpalette sollte nicht veränderbar sein</a:t>
+            </a:r>
+          </a:p>
+          <a:p>
+            <a:r>
+              <a:rPr lang="de-CH" sz="2000" dirty="0"/>
+              <a:t>Implementation der Antwort-Funktion</a:t>
+            </a:r>
+          </a:p>
+          <a:p>
+            <a:pPr marL="0" indent="0">
+              <a:buNone/>
+            </a:pPr>
+            <a:endParaRPr lang="de-CH" sz="2000" dirty="0"/>
+          </a:p>
+          <a:p>
+            <a:pPr marL="0" indent="0">
+              <a:buNone/>
+            </a:pPr>
+            <a:endParaRPr lang="de-CH" sz="2000" dirty="0"/>
+          </a:p>
+          <a:p>
+            <a:pPr marL="0" indent="0">
+              <a:buNone/>
+            </a:pPr>
+            <a:endParaRPr lang="de-CH" sz="2000" dirty="0"/>
+          </a:p>
+        </p:txBody>
+      </p:sp>
+      <p:sp>
+        <p:nvSpPr>
+          <p:cNvPr id="10" name="Rectangle 9">
+            <a:extLst>
+              <a:ext uri="{FF2B5EF4-FFF2-40B4-BE49-F238E27FC236}">
+                <a16:creationId xmlns:a16="http://schemas.microsoft.com/office/drawing/2014/main" id="{2E80C965-DB6D-4F81-9E9E-B027384D0BD6}"/>
+              </a:ext>
+              <a:ext uri="{C183D7F6-B498-43B3-948B-1728B52AA6E4}">
+                <adec:decorative xmlns:adec="http://schemas.microsoft.com/office/drawing/2017/decorative" val="1"/>
+              </a:ext>
+            </a:extLst>
+          </p:cNvPr>
+          <p:cNvSpPr>
+            <a:spLocks noGrp="1" noRot="1" noChangeAspect="1" noMove="1" noResize="1" noEditPoints="1" noAdjustHandles="1" noChangeArrowheads="1" noChangeShapeType="1" noTextEdit="1"/>
+          </p:cNvSpPr>
+          <p:nvPr>
+            <p:extLst>
+              <p:ext uri="{386F3935-93C4-4BCD-93E2-E3B085C9AB24}">
+                <p16:designElem xmlns:p16="http://schemas.microsoft.com/office/powerpoint/2015/main" val="1"/>
+              </p:ext>
+            </p:extLst>
+          </p:nvPr>
+        </p:nvSpPr>
+        <p:spPr>
+          <a:xfrm rot="2700000">
+            <a:off x="11052629" y="2120024"/>
+            <a:ext cx="645368" cy="645368"/>
+          </a:xfrm>
+          <a:prstGeom prst="rect">
+            <a:avLst/>
+          </a:prstGeom>
+          <a:solidFill>
+            <a:schemeClr val="accent4">
+              <a:alpha val="30000"/>
+            </a:schemeClr>
+          </a:solidFill>
+          <a:ln>
+            <a:noFill/>
+          </a:ln>
+        </p:spPr>
+        <p:style>
+          <a:lnRef idx="2">
+            <a:schemeClr val="accent1">
+              <a:shade val="50000"/>
+            </a:schemeClr>
+          </a:lnRef>
+          <a:fillRef idx="1">
+            <a:schemeClr val="accent1"/>
+          </a:fillRef>
+          <a:effectRef idx="0">
+            <a:schemeClr val="accent1"/>
+          </a:effectRef>
+          <a:fontRef idx="minor">
+            <a:schemeClr val="lt1"/>
+          </a:fontRef>
+        </p:style>
+        <p:txBody>
+          <a:bodyPr rtlCol="0" anchor="ctr"/>
+          <a:lstStyle/>
+          <a:p>
+            <a:pPr algn="ctr"/>
+            <a:endParaRPr lang="en-US"/>
+          </a:p>
+        </p:txBody>
+      </p:sp>
+      <p:sp>
+        <p:nvSpPr>
+          <p:cNvPr id="12" name="Isosceles Triangle 11">
+            <a:extLst>
+              <a:ext uri="{FF2B5EF4-FFF2-40B4-BE49-F238E27FC236}">
+                <a16:creationId xmlns:a16="http://schemas.microsoft.com/office/drawing/2014/main" id="{A580F890-B085-4E95-96AA-55AEBEC5CE6E}"/>
+              </a:ext>
+              <a:ext uri="{C183D7F6-B498-43B3-948B-1728B52AA6E4}">
+                <adec:decorative xmlns:adec="http://schemas.microsoft.com/office/drawing/2017/decorative" val="1"/>
+              </a:ext>
+            </a:extLst>
+          </p:cNvPr>
+          <p:cNvSpPr>
+            <a:spLocks noGrp="1" noRot="1" noChangeAspect="1" noMove="1" noResize="1" noEditPoints="1" noAdjustHandles="1" noChangeArrowheads="1" noChangeShapeType="1" noTextEdit="1"/>
+          </p:cNvSpPr>
+          <p:nvPr>
+            <p:extLst>
+              <p:ext uri="{386F3935-93C4-4BCD-93E2-E3B085C9AB24}">
+                <p16:designElem xmlns:p16="http://schemas.microsoft.com/office/powerpoint/2015/main" val="1"/>
+              </p:ext>
+            </p:extLst>
+          </p:nvPr>
+        </p:nvSpPr>
+        <p:spPr>
+          <a:xfrm rot="16200000">
+            <a:off x="10289068" y="1343027"/>
+            <a:ext cx="2532832" cy="1273032"/>
+          </a:xfrm>
+          <a:prstGeom prst="triangle">
+            <a:avLst>
+              <a:gd name="adj" fmla="val 50000"/>
+            </a:avLst>
+          </a:prstGeom>
+          <a:solidFill>
+            <a:schemeClr val="accent4">
+              <a:alpha val="30000"/>
+            </a:schemeClr>
+          </a:solidFill>
+          <a:ln>
+            <a:noFill/>
+          </a:ln>
+        </p:spPr>
+        <p:style>
+          <a:lnRef idx="2">
+            <a:schemeClr val="accent1">
+              <a:shade val="50000"/>
+            </a:schemeClr>
+          </a:lnRef>
+          <a:fillRef idx="1">
+            <a:schemeClr val="accent1"/>
+          </a:fillRef>
+          <a:effectRef idx="0">
+            <a:schemeClr val="accent1"/>
+          </a:effectRef>
+          <a:fontRef idx="minor">
+            <a:schemeClr val="lt1"/>
+          </a:fontRef>
+        </p:style>
+        <p:txBody>
+          <a:bodyPr rtlCol="0" anchor="ctr"/>
+          <a:lstStyle/>
+          <a:p>
+            <a:pPr algn="ctr"/>
+            <a:endParaRPr lang="en-US"/>
+          </a:p>
+        </p:txBody>
+      </p:sp>
+      <p:sp>
+        <p:nvSpPr>
+          <p:cNvPr id="14" name="Isosceles Triangle 13">
+            <a:extLst>
+              <a:ext uri="{FF2B5EF4-FFF2-40B4-BE49-F238E27FC236}">
+                <a16:creationId xmlns:a16="http://schemas.microsoft.com/office/drawing/2014/main" id="{D3F51FEB-38FB-4F6C-9F7B-2F2AFAB65463}"/>
+              </a:ext>
+              <a:ext uri="{C183D7F6-B498-43B3-948B-1728B52AA6E4}">
+                <adec:decorative xmlns:adec="http://schemas.microsoft.com/office/drawing/2017/decorative" val="1"/>
+              </a:ext>
+            </a:extLst>
+          </p:cNvPr>
+          <p:cNvSpPr>
+            <a:spLocks noGrp="1" noRot="1" noChangeAspect="1" noMove="1" noResize="1" noEditPoints="1" noAdjustHandles="1" noChangeArrowheads="1" noChangeShapeType="1" noTextEdit="1"/>
+          </p:cNvSpPr>
+          <p:nvPr>
+            <p:extLst>
+              <p:ext uri="{386F3935-93C4-4BCD-93E2-E3B085C9AB24}">
+                <p16:designElem xmlns:p16="http://schemas.microsoft.com/office/powerpoint/2015/main" val="1"/>
+              </p:ext>
+            </p:extLst>
+          </p:nvPr>
+        </p:nvSpPr>
+        <p:spPr>
+          <a:xfrm rot="5400000">
+            <a:off x="-501760" y="5103257"/>
+            <a:ext cx="2017580" cy="1014060"/>
+          </a:xfrm>
+          <a:prstGeom prst="triangle">
+            <a:avLst>
+              <a:gd name="adj" fmla="val 50000"/>
+            </a:avLst>
+          </a:prstGeom>
+          <a:solidFill>
+            <a:schemeClr val="accent1">
+              <a:alpha val="30000"/>
+            </a:schemeClr>
+          </a:solidFill>
+          <a:ln>
+            <a:noFill/>
+          </a:ln>
+        </p:spPr>
+        <p:style>
+          <a:lnRef idx="2">
+            <a:schemeClr val="accent1">
+              <a:shade val="50000"/>
+            </a:schemeClr>
+          </a:lnRef>
+          <a:fillRef idx="1">
+            <a:schemeClr val="accent1"/>
+          </a:fillRef>
+          <a:effectRef idx="0">
+            <a:schemeClr val="accent1"/>
+          </a:effectRef>
+          <a:fontRef idx="minor">
+            <a:schemeClr val="lt1"/>
+          </a:fontRef>
+        </p:style>
+        <p:txBody>
+          <a:bodyPr wrap="square" rtlCol="0" anchor="ctr">
+            <a:noAutofit/>
+          </a:bodyPr>
+          <a:lstStyle/>
+          <a:p>
+            <a:pPr algn="ctr"/>
+            <a:endParaRPr lang="en-US"/>
+          </a:p>
+        </p:txBody>
+      </p:sp>
+      <p:sp>
+        <p:nvSpPr>
+          <p:cNvPr id="16" name="Rectangle 15">
+            <a:extLst>
+              <a:ext uri="{FF2B5EF4-FFF2-40B4-BE49-F238E27FC236}">
+                <a16:creationId xmlns:a16="http://schemas.microsoft.com/office/drawing/2014/main" id="{1E547BA6-BAE0-43BB-A7CA-60F69CE252F0}"/>
+              </a:ext>
+              <a:ext uri="{C183D7F6-B498-43B3-948B-1728B52AA6E4}">
+                <adec:decorative xmlns:adec="http://schemas.microsoft.com/office/drawing/2017/decorative" val="1"/>
+              </a:ext>
+            </a:extLst>
+          </p:cNvPr>
+          <p:cNvSpPr>
+            <a:spLocks noGrp="1" noRot="1" noChangeAspect="1" noMove="1" noResize="1" noEditPoints="1" noAdjustHandles="1" noChangeArrowheads="1" noChangeShapeType="1" noTextEdit="1"/>
+          </p:cNvSpPr>
+          <p:nvPr>
+            <p:extLst>
+              <p:ext uri="{386F3935-93C4-4BCD-93E2-E3B085C9AB24}">
+                <p16:designElem xmlns:p16="http://schemas.microsoft.com/office/powerpoint/2015/main" val="1"/>
+              </p:ext>
+            </p:extLst>
+          </p:nvPr>
+        </p:nvSpPr>
+        <p:spPr>
+          <a:xfrm rot="2700000">
+            <a:off x="427916" y="5728708"/>
+            <a:ext cx="485578" cy="485578"/>
+          </a:xfrm>
+          <a:prstGeom prst="rect">
+            <a:avLst/>
+          </a:prstGeom>
+          <a:solidFill>
+            <a:schemeClr val="accent1">
+              <a:alpha val="30000"/>
+            </a:schemeClr>
+          </a:solidFill>
+          <a:ln>
+            <a:noFill/>
+          </a:ln>
+        </p:spPr>
+        <p:style>
+          <a:lnRef idx="2">
+            <a:schemeClr val="accent1">
+              <a:shade val="50000"/>
+            </a:schemeClr>
+          </a:lnRef>
+          <a:fillRef idx="1">
+            <a:schemeClr val="accent1"/>
+          </a:fillRef>
+          <a:effectRef idx="0">
+            <a:schemeClr val="accent1"/>
+          </a:effectRef>
+          <a:fontRef idx="minor">
+            <a:schemeClr val="lt1"/>
+          </a:fontRef>
+        </p:style>
+        <p:txBody>
+          <a:bodyPr wrap="square" rtlCol="0" anchor="ctr">
+            <a:noAutofit/>
+          </a:bodyPr>
+          <a:lstStyle/>
+          <a:p>
+            <a:pPr algn="ctr"/>
+            <a:endParaRPr lang="en-US"/>
+          </a:p>
+        </p:txBody>
+      </p:sp>
+      <p:sp>
+        <p:nvSpPr>
+          <p:cNvPr id="11" name="Inhaltsplatzhalter 2">
+            <a:extLst>
+              <a:ext uri="{FF2B5EF4-FFF2-40B4-BE49-F238E27FC236}">
+                <a16:creationId xmlns:a16="http://schemas.microsoft.com/office/drawing/2014/main" id="{9CCC402F-0861-42AB-8C51-80EB6FF750C7}"/>
+              </a:ext>
+            </a:extLst>
+          </p:cNvPr>
+          <p:cNvSpPr txBox="1">
+            <a:spLocks/>
+          </p:cNvSpPr>
+          <p:nvPr/>
+        </p:nvSpPr>
+        <p:spPr>
+          <a:xfrm>
+            <a:off x="1614283" y="3968141"/>
+            <a:ext cx="10905066" cy="1788488"/>
+          </a:xfrm>
+          <a:prstGeom prst="rect">
+            <a:avLst/>
+          </a:prstGeom>
+        </p:spPr>
+        <p:txBody>
+          <a:bodyPr vert="horz" lIns="91440" tIns="45720" rIns="91440" bIns="45720" rtlCol="0">
+            <a:normAutofit/>
+          </a:bodyPr>
+          <a:lstStyle>
+            <a:lvl1pPr marL="228600" indent="-228600" algn="l" defTabSz="914400" rtl="0" eaLnBrk="1" latinLnBrk="0" hangingPunct="1">
+              <a:lnSpc>
+                <a:spcPct val="90000"/>
+              </a:lnSpc>
+              <a:spcBef>
+                <a:spcPts val="1000"/>
+              </a:spcBef>
+              <a:buFont typeface="Arial" panose="020B0604020202020204" pitchFamily="34" charset="0"/>
+              <a:buChar char="•"/>
+              <a:defRPr sz="2800" kern="1200">
+                <a:solidFill>
+                  <a:schemeClr val="tx1"/>
+                </a:solidFill>
+                <a:latin typeface="+mn-lt"/>
+                <a:ea typeface="+mn-ea"/>
+                <a:cs typeface="+mn-cs"/>
+              </a:defRPr>
+            </a:lvl1pPr>
+            <a:lvl2pPr marL="685800" indent="-228600" algn="l" defTabSz="914400" rtl="0" eaLnBrk="1" latinLnBrk="0" hangingPunct="1">
+              <a:lnSpc>
+                <a:spcPct val="90000"/>
+              </a:lnSpc>
+              <a:spcBef>
+                <a:spcPts val="500"/>
+              </a:spcBef>
+              <a:buFont typeface="Arial" panose="020B0604020202020204" pitchFamily="34" charset="0"/>
+              <a:buChar char="•"/>
+              <a:defRPr sz="2400" kern="1200">
+                <a:solidFill>
+                  <a:schemeClr val="tx1"/>
+                </a:solidFill>
+                <a:latin typeface="+mn-lt"/>
+                <a:ea typeface="+mn-ea"/>
+                <a:cs typeface="+mn-cs"/>
+              </a:defRPr>
+            </a:lvl2pPr>
+            <a:lvl3pPr marL="1143000" indent="-228600" algn="l" defTabSz="914400" rtl="0" eaLnBrk="1" latinLnBrk="0" hangingPunct="1">
+              <a:lnSpc>
+                <a:spcPct val="90000"/>
+              </a:lnSpc>
+              <a:spcBef>
+                <a:spcPts val="500"/>
+              </a:spcBef>
+              <a:buFont typeface="Arial" panose="020B0604020202020204" pitchFamily="34" charset="0"/>
+              <a:buChar char="•"/>
+              <a:defRPr sz="2000" kern="1200">
+                <a:solidFill>
+                  <a:schemeClr val="tx1"/>
+                </a:solidFill>
+                <a:latin typeface="+mn-lt"/>
+                <a:ea typeface="+mn-ea"/>
+                <a:cs typeface="+mn-cs"/>
+              </a:defRPr>
+            </a:lvl3pPr>
+            <a:lvl4pPr marL="1600200" indent="-228600" algn="l" defTabSz="914400" rtl="0" eaLnBrk="1" latinLnBrk="0" hangingPunct="1">
+              <a:lnSpc>
+                <a:spcPct val="90000"/>
+              </a:lnSpc>
+              <a:spcBef>
+                <a:spcPts val="500"/>
+              </a:spcBef>
+              <a:buFont typeface="Arial" panose="020B0604020202020204" pitchFamily="34" charset="0"/>
+              <a:buChar char="•"/>
+              <a:defRPr sz="1800" kern="1200">
+                <a:solidFill>
+                  <a:schemeClr val="tx1"/>
+                </a:solidFill>
+                <a:latin typeface="+mn-lt"/>
+                <a:ea typeface="+mn-ea"/>
+                <a:cs typeface="+mn-cs"/>
+              </a:defRPr>
+            </a:lvl4pPr>
+            <a:lvl5pPr marL="2057400" indent="-228600" algn="l" defTabSz="914400" rtl="0" eaLnBrk="1" latinLnBrk="0" hangingPunct="1">
+              <a:lnSpc>
+                <a:spcPct val="90000"/>
+              </a:lnSpc>
+              <a:spcBef>
+                <a:spcPts val="500"/>
+              </a:spcBef>
+              <a:buFont typeface="Arial" panose="020B0604020202020204" pitchFamily="34" charset="0"/>
+              <a:buChar char="•"/>
+              <a:defRPr sz="1800" kern="1200">
+                <a:solidFill>
+                  <a:schemeClr val="tx1"/>
+                </a:solidFill>
+                <a:latin typeface="+mn-lt"/>
+                <a:ea typeface="+mn-ea"/>
+                <a:cs typeface="+mn-cs"/>
+              </a:defRPr>
+            </a:lvl5pPr>
+            <a:lvl6pPr marL="2514600" indent="-228600" algn="l" defTabSz="914400" rtl="0" eaLnBrk="1" latinLnBrk="0" hangingPunct="1">
+              <a:lnSpc>
+                <a:spcPct val="90000"/>
+              </a:lnSpc>
+              <a:spcBef>
+                <a:spcPts val="500"/>
+              </a:spcBef>
+              <a:buFont typeface="Arial" panose="020B0604020202020204" pitchFamily="34" charset="0"/>
+              <a:buChar char="•"/>
+              <a:defRPr sz="1800" kern="1200">
+                <a:solidFill>
+                  <a:schemeClr val="tx1"/>
+                </a:solidFill>
+                <a:latin typeface="+mn-lt"/>
+                <a:ea typeface="+mn-ea"/>
+                <a:cs typeface="+mn-cs"/>
+              </a:defRPr>
+            </a:lvl6pPr>
+            <a:lvl7pPr marL="2971800" indent="-228600" algn="l" defTabSz="914400" rtl="0" eaLnBrk="1" latinLnBrk="0" hangingPunct="1">
+              <a:lnSpc>
+                <a:spcPct val="90000"/>
+              </a:lnSpc>
+              <a:spcBef>
+                <a:spcPts val="500"/>
+              </a:spcBef>
+              <a:buFont typeface="Arial" panose="020B0604020202020204" pitchFamily="34" charset="0"/>
+              <a:buChar char="•"/>
+              <a:defRPr sz="1800" kern="1200">
+                <a:solidFill>
+                  <a:schemeClr val="tx1"/>
+                </a:solidFill>
+                <a:latin typeface="+mn-lt"/>
+                <a:ea typeface="+mn-ea"/>
+                <a:cs typeface="+mn-cs"/>
+              </a:defRPr>
+            </a:lvl7pPr>
+            <a:lvl8pPr marL="3429000" indent="-228600" algn="l" defTabSz="914400" rtl="0" eaLnBrk="1" latinLnBrk="0" hangingPunct="1">
+              <a:lnSpc>
+                <a:spcPct val="90000"/>
+              </a:lnSpc>
+              <a:spcBef>
+                <a:spcPts val="500"/>
+              </a:spcBef>
+              <a:buFont typeface="Arial" panose="020B0604020202020204" pitchFamily="34" charset="0"/>
+              <a:buChar char="•"/>
+              <a:defRPr sz="1800" kern="1200">
+                <a:solidFill>
+                  <a:schemeClr val="tx1"/>
+                </a:solidFill>
+                <a:latin typeface="+mn-lt"/>
+                <a:ea typeface="+mn-ea"/>
+                <a:cs typeface="+mn-cs"/>
+              </a:defRPr>
+            </a:lvl8pPr>
+            <a:lvl9pPr marL="3886200" indent="-228600" algn="l" defTabSz="914400" rtl="0" eaLnBrk="1" latinLnBrk="0" hangingPunct="1">
+              <a:lnSpc>
+                <a:spcPct val="90000"/>
+              </a:lnSpc>
+              <a:spcBef>
+                <a:spcPts val="500"/>
+              </a:spcBef>
+              <a:buFont typeface="Arial" panose="020B0604020202020204" pitchFamily="34" charset="0"/>
+              <a:buChar char="•"/>
+              <a:defRPr sz="1800" kern="1200">
+                <a:solidFill>
+                  <a:schemeClr val="tx1"/>
+                </a:solidFill>
+                <a:latin typeface="+mn-lt"/>
+                <a:ea typeface="+mn-ea"/>
+                <a:cs typeface="+mn-cs"/>
+              </a:defRPr>
+            </a:lvl9pPr>
+          </a:lstStyle>
+          <a:p>
+            <a:pPr>
+              <a:buBlip>
+                <a:blip r:embed="rId2">
+                  <a:extLst>
+                    <a:ext uri="{96DAC541-7B7A-43D3-8B79-37D633B846F1}">
+                      <asvg:svgBlip xmlns:asvg="http://schemas.microsoft.com/office/drawing/2016/SVG/main" r:embed="rId3"/>
+                    </a:ext>
+                  </a:extLst>
+                </a:blip>
+              </a:buBlip>
+            </a:pPr>
+            <a:r>
+              <a:rPr lang="de-CH" sz="2000" dirty="0"/>
+              <a:t>Sketch Layout/Design ändern</a:t>
+            </a:r>
+          </a:p>
+          <a:p>
+            <a:pPr>
+              <a:buBlip>
+                <a:blip r:embed="rId2">
+                  <a:extLst>
+                    <a:ext uri="{96DAC541-7B7A-43D3-8B79-37D633B846F1}">
+                      <asvg:svgBlip xmlns:asvg="http://schemas.microsoft.com/office/drawing/2016/SVG/main" r:embed="rId3"/>
+                    </a:ext>
+                  </a:extLst>
+                </a:blip>
+              </a:buBlip>
+            </a:pPr>
+            <a:r>
+              <a:rPr lang="de-CH" sz="2000" dirty="0"/>
+              <a:t>Skizze direkt senden</a:t>
+            </a:r>
+          </a:p>
+          <a:p>
+            <a:pPr>
+              <a:buBlip>
+                <a:blip r:embed="rId2">
+                  <a:extLst>
+                    <a:ext uri="{96DAC541-7B7A-43D3-8B79-37D633B846F1}">
+                      <asvg:svgBlip xmlns:asvg="http://schemas.microsoft.com/office/drawing/2016/SVG/main" r:embed="rId3"/>
+                    </a:ext>
+                  </a:extLst>
+                </a:blip>
+              </a:buBlip>
+            </a:pPr>
+            <a:r>
+              <a:rPr lang="de-CH" sz="2000" dirty="0"/>
+              <a:t>Antwort-Funktion mit Referenz  auf originalem Autor</a:t>
+            </a:r>
+          </a:p>
+          <a:p>
+            <a:endParaRPr lang="de-CH" sz="2000" dirty="0"/>
+          </a:p>
+          <a:p>
+            <a:endParaRPr lang="de-CH" sz="2000" dirty="0"/>
+          </a:p>
+        </p:txBody>
+      </p:sp>
+    </p:spTree>
+    <p:extLst>
+      <p:ext uri="{BB962C8B-B14F-4D97-AF65-F5344CB8AC3E}">
+        <p14:creationId xmlns:p14="http://schemas.microsoft.com/office/powerpoint/2010/main" val="3564212458"/>
+      </p:ext>
+    </p:extLst>
+  </p:cSld>
+  <p:clrMapOvr>
+    <a:masterClrMapping/>
+  </p:clrMapOvr>
 </p:sld>
 </file>
 

--- a/21-fs-ias-lec/groups/02-ChatApplikationSketch/presentation/BACnet_zwischenstand.pptx
+++ b/21-fs-ias-lec/groups/02-ChatApplikationSketch/presentation/BACnet_zwischenstand.pptx
@@ -2652,7 +2652,7 @@
           <a:p>
             <a:fld id="{C3398270-39C5-7F48-9BF9-85FC76E8FCB2}" type="datetimeFigureOut">
               <a:rPr lang="de-CH" smtClean="0"/>
-              <a:t>11.05.2021</a:t>
+              <a:t>11.05.21</a:t>
             </a:fld>
             <a:endParaRPr lang="de-CH"/>
           </a:p>
@@ -3153,7 +3153,7 @@
           <a:p>
             <a:fld id="{EDFB259E-4D82-174D-996F-A86321A2AD19}" type="datetimeFigureOut">
               <a:rPr lang="de-CH" smtClean="0"/>
-              <a:t>11.05.2021</a:t>
+              <a:t>11.05.21</a:t>
             </a:fld>
             <a:endParaRPr lang="de-CH"/>
           </a:p>
@@ -3353,7 +3353,7 @@
           <a:p>
             <a:fld id="{EDFB259E-4D82-174D-996F-A86321A2AD19}" type="datetimeFigureOut">
               <a:rPr lang="de-CH" smtClean="0"/>
-              <a:t>11.05.2021</a:t>
+              <a:t>11.05.21</a:t>
             </a:fld>
             <a:endParaRPr lang="de-CH"/>
           </a:p>
@@ -3563,7 +3563,7 @@
           <a:p>
             <a:fld id="{EDFB259E-4D82-174D-996F-A86321A2AD19}" type="datetimeFigureOut">
               <a:rPr lang="de-CH" smtClean="0"/>
-              <a:t>11.05.2021</a:t>
+              <a:t>11.05.21</a:t>
             </a:fld>
             <a:endParaRPr lang="de-CH"/>
           </a:p>
@@ -3763,7 +3763,7 @@
           <a:p>
             <a:fld id="{EDFB259E-4D82-174D-996F-A86321A2AD19}" type="datetimeFigureOut">
               <a:rPr lang="de-CH" smtClean="0"/>
-              <a:t>11.05.2021</a:t>
+              <a:t>11.05.21</a:t>
             </a:fld>
             <a:endParaRPr lang="de-CH"/>
           </a:p>
@@ -4039,7 +4039,7 @@
           <a:p>
             <a:fld id="{EDFB259E-4D82-174D-996F-A86321A2AD19}" type="datetimeFigureOut">
               <a:rPr lang="de-CH" smtClean="0"/>
-              <a:t>11.05.2021</a:t>
+              <a:t>11.05.21</a:t>
             </a:fld>
             <a:endParaRPr lang="de-CH"/>
           </a:p>
@@ -4307,7 +4307,7 @@
           <a:p>
             <a:fld id="{EDFB259E-4D82-174D-996F-A86321A2AD19}" type="datetimeFigureOut">
               <a:rPr lang="de-CH" smtClean="0"/>
-              <a:t>11.05.2021</a:t>
+              <a:t>11.05.21</a:t>
             </a:fld>
             <a:endParaRPr lang="de-CH"/>
           </a:p>
@@ -4722,7 +4722,7 @@
           <a:p>
             <a:fld id="{EDFB259E-4D82-174D-996F-A86321A2AD19}" type="datetimeFigureOut">
               <a:rPr lang="de-CH" smtClean="0"/>
-              <a:t>11.05.2021</a:t>
+              <a:t>11.05.21</a:t>
             </a:fld>
             <a:endParaRPr lang="de-CH"/>
           </a:p>
@@ -4864,7 +4864,7 @@
           <a:p>
             <a:fld id="{EDFB259E-4D82-174D-996F-A86321A2AD19}" type="datetimeFigureOut">
               <a:rPr lang="de-CH" smtClean="0"/>
-              <a:t>11.05.2021</a:t>
+              <a:t>11.05.21</a:t>
             </a:fld>
             <a:endParaRPr lang="de-CH"/>
           </a:p>
@@ -4977,7 +4977,7 @@
           <a:p>
             <a:fld id="{EDFB259E-4D82-174D-996F-A86321A2AD19}" type="datetimeFigureOut">
               <a:rPr lang="de-CH" smtClean="0"/>
-              <a:t>11.05.2021</a:t>
+              <a:t>11.05.21</a:t>
             </a:fld>
             <a:endParaRPr lang="de-CH"/>
           </a:p>
@@ -5290,7 +5290,7 @@
           <a:p>
             <a:fld id="{EDFB259E-4D82-174D-996F-A86321A2AD19}" type="datetimeFigureOut">
               <a:rPr lang="de-CH" smtClean="0"/>
-              <a:t>11.05.2021</a:t>
+              <a:t>11.05.21</a:t>
             </a:fld>
             <a:endParaRPr lang="de-CH"/>
           </a:p>
@@ -5579,7 +5579,7 @@
           <a:p>
             <a:fld id="{EDFB259E-4D82-174D-996F-A86321A2AD19}" type="datetimeFigureOut">
               <a:rPr lang="de-CH" smtClean="0"/>
-              <a:t>11.05.2021</a:t>
+              <a:t>11.05.21</a:t>
             </a:fld>
             <a:endParaRPr lang="de-CH"/>
           </a:p>
@@ -5822,7 +5822,7 @@
           <a:p>
             <a:fld id="{EDFB259E-4D82-174D-996F-A86321A2AD19}" type="datetimeFigureOut">
               <a:rPr lang="de-CH" smtClean="0"/>
-              <a:t>11.05.2021</a:t>
+              <a:t>11.05.21</a:t>
             </a:fld>
             <a:endParaRPr lang="de-CH"/>
           </a:p>
@@ -7839,7 +7839,7 @@
         </p:nvSpPr>
         <p:spPr>
           <a:xfrm>
-            <a:off x="8839200" y="5258604"/>
+            <a:off x="8839200" y="4601497"/>
             <a:ext cx="4761298" cy="1990789"/>
           </a:xfrm>
           <a:prstGeom prst="rect">
@@ -8034,6 +8034,17 @@
                 </a:solidFill>
               </a:rPr>
               <a:t>	</a:t>
+            </a:r>
+          </a:p>
+          <a:p>
+            <a:pPr lvl="1"/>
+            <a:r>
+              <a:rPr lang="de-CH" dirty="0">
+                <a:solidFill>
+                  <a:srgbClr val="002060"/>
+                </a:solidFill>
+              </a:rPr>
+              <a:t>Python</a:t>
             </a:r>
           </a:p>
           <a:p>
@@ -8795,8 +8806,12 @@
           <a:lstStyle/>
           <a:p>
             <a:r>
-              <a:rPr lang="de-CH" sz="3600" dirty="0"/>
-              <a:t>Welche Fragen stehen im Moment an</a:t>
+              <a:rPr lang="de-CH" sz="3600" dirty="0">
+                <a:solidFill>
+                  <a:srgbClr val="002060"/>
+                </a:solidFill>
+              </a:rPr>
+              <a:t>Welche Fragen stehen im Moment an?</a:t>
             </a:r>
           </a:p>
         </p:txBody>
@@ -8819,8 +8834,8 @@
         </p:nvSpPr>
         <p:spPr>
           <a:xfrm>
-            <a:off x="643467" y="1782981"/>
-            <a:ext cx="10905066" cy="1788488"/>
+            <a:off x="643467" y="1782980"/>
+            <a:ext cx="10641568" cy="2017580"/>
           </a:xfrm>
         </p:spPr>
         <p:txBody>
@@ -8830,45 +8845,38 @@
           <a:lstStyle/>
           <a:p>
             <a:r>
-              <a:rPr lang="de-CH" sz="2000" dirty="0"/>
+              <a:rPr lang="de-CH" sz="1800" dirty="0"/>
               <a:t>Hintergrundfarbe anpassen beim Bild speichern</a:t>
             </a:r>
           </a:p>
           <a:p>
             <a:r>
-              <a:rPr lang="de-CH" sz="2000" dirty="0"/>
+              <a:rPr lang="de-CH" sz="1800" dirty="0"/>
               <a:t>Radiergummi momentan konstant weiss</a:t>
             </a:r>
           </a:p>
           <a:p>
             <a:r>
-              <a:rPr lang="de-CH" sz="2000" dirty="0"/>
+              <a:rPr lang="de-CH" sz="1800" dirty="0"/>
               <a:t>Farbpalette sollte nicht veränderbar sein</a:t>
             </a:r>
           </a:p>
           <a:p>
             <a:r>
-              <a:rPr lang="de-CH" sz="2000" dirty="0"/>
-              <a:t>Implementation der Antwort-Funktion</a:t>
+              <a:rPr lang="de-CH" sz="1800" dirty="0"/>
+              <a:t>Implementation der Antwort-Funktion		</a:t>
             </a:r>
+            <a:endParaRPr lang="de-CH" sz="1800" u="sng" dirty="0">
+              <a:solidFill>
+                <a:srgbClr val="002060"/>
+              </a:solidFill>
+            </a:endParaRPr>
           </a:p>
           <a:p>
             <a:pPr marL="0" indent="0">
               <a:buNone/>
             </a:pPr>
-            <a:endParaRPr lang="de-CH" sz="2000" dirty="0"/>
-          </a:p>
-          <a:p>
-            <a:pPr marL="0" indent="0">
-              <a:buNone/>
-            </a:pPr>
-            <a:endParaRPr lang="de-CH" sz="2000" dirty="0"/>
-          </a:p>
-          <a:p>
-            <a:pPr marL="0" indent="0">
-              <a:buNone/>
-            </a:pPr>
-            <a:endParaRPr lang="de-CH" sz="2000" dirty="0"/>
+            <a:endParaRPr lang="de-CH" sz="1800" dirty="0"/>
           </a:p>
         </p:txBody>
       </p:sp>
@@ -9156,7 +9164,7 @@
         </p:nvSpPr>
         <p:spPr>
           <a:xfrm>
-            <a:off x="1614283" y="3968141"/>
+            <a:off x="5115766" y="4183009"/>
             <a:ext cx="10905066" cy="1788488"/>
           </a:xfrm>
           <a:prstGeom prst="rect">
@@ -9332,60 +9340,60 @@
             </a:lvl9pPr>
           </a:lstStyle>
           <a:p>
+            <a:pPr marL="0" indent="0">
+              <a:buNone/>
+            </a:pPr>
+            <a:r>
+              <a:rPr lang="de-CH" sz="2400" b="1" u="sng" dirty="0">
+                <a:solidFill>
+                  <a:srgbClr val="002060"/>
+                </a:solidFill>
+              </a:rPr>
+              <a:t>Ziel:</a:t>
+            </a:r>
+          </a:p>
+          <a:p>
             <a:pPr>
-              <a:buBlip>
-                <a:blip r:embed="rId2">
-                  <a:extLst>
-                    <a:ext uri="{96DAC541-7B7A-43D3-8B79-37D633B846F1}">
-                      <asvg:svgBlip xmlns:asvg="http://schemas.microsoft.com/office/drawing/2016/SVG/main" r:embed="rId3"/>
-                    </a:ext>
-                  </a:extLst>
-                </a:blip>
-              </a:buBlip>
+              <a:buFont typeface="Zapf Dingbats"/>
+              <a:buChar char="➣"/>
             </a:pPr>
             <a:r>
               <a:rPr lang="de-CH" sz="2000" dirty="0"/>
-              <a:t>Sketch Layout/Design ändern</a:t>
+              <a:t> Sketch Layout/Design ändern</a:t>
             </a:r>
           </a:p>
           <a:p>
             <a:pPr>
-              <a:buBlip>
-                <a:blip r:embed="rId2">
-                  <a:extLst>
-                    <a:ext uri="{96DAC541-7B7A-43D3-8B79-37D633B846F1}">
-                      <asvg:svgBlip xmlns:asvg="http://schemas.microsoft.com/office/drawing/2016/SVG/main" r:embed="rId3"/>
-                    </a:ext>
-                  </a:extLst>
-                </a:blip>
-              </a:buBlip>
+              <a:buFont typeface="Zapf Dingbats"/>
+              <a:buChar char="➣"/>
             </a:pPr>
             <a:r>
               <a:rPr lang="de-CH" sz="2000" dirty="0"/>
-              <a:t>Skizze direkt senden</a:t>
+              <a:t> Skizze direkt senden</a:t>
             </a:r>
           </a:p>
           <a:p>
             <a:pPr>
-              <a:buBlip>
-                <a:blip r:embed="rId2">
-                  <a:extLst>
-                    <a:ext uri="{96DAC541-7B7A-43D3-8B79-37D633B846F1}">
-                      <asvg:svgBlip xmlns:asvg="http://schemas.microsoft.com/office/drawing/2016/SVG/main" r:embed="rId3"/>
-                    </a:ext>
-                  </a:extLst>
-                </a:blip>
-              </a:buBlip>
+              <a:buFont typeface="Zapf Dingbats"/>
+              <a:buChar char="➣"/>
             </a:pPr>
             <a:r>
               <a:rPr lang="de-CH" sz="2000" dirty="0"/>
-              <a:t>Antwort-Funktion mit Referenz  auf originalem Autor</a:t>
+              <a:t> Antwort-Funktion mit Referenz  auf originalem Autor</a:t>
             </a:r>
           </a:p>
           <a:p>
+            <a:pPr>
+              <a:buFont typeface="Zapf Dingbats"/>
+              <a:buChar char="➣"/>
+            </a:pPr>
             <a:endParaRPr lang="de-CH" sz="2000" dirty="0"/>
           </a:p>
           <a:p>
+            <a:pPr>
+              <a:buFont typeface="Zapf Dingbats"/>
+              <a:buChar char="➣"/>
+            </a:pPr>
             <a:endParaRPr lang="de-CH" sz="2000" dirty="0"/>
           </a:p>
         </p:txBody>
@@ -9400,6 +9408,92 @@
   <p:clrMapOvr>
     <a:masterClrMapping/>
   </p:clrMapOvr>
+  <p:timing>
+    <p:tnLst>
+      <p:par>
+        <p:cTn id="1" dur="indefinite" restart="never" nodeType="tmRoot">
+          <p:childTnLst>
+            <p:seq concurrent="1" nextAc="seek">
+              <p:cTn id="2" dur="indefinite" nodeType="mainSeq">
+                <p:childTnLst>
+                  <p:par>
+                    <p:cTn id="3" fill="hold">
+                      <p:stCondLst>
+                        <p:cond delay="indefinite"/>
+                      </p:stCondLst>
+                      <p:childTnLst>
+                        <p:par>
+                          <p:cTn id="4" fill="hold">
+                            <p:stCondLst>
+                              <p:cond delay="0"/>
+                            </p:stCondLst>
+                            <p:childTnLst>
+                              <p:par>
+                                <p:cTn id="5" presetID="22" presetClass="entr" presetSubtype="1" fill="hold" grpId="0" nodeType="clickEffect">
+                                  <p:stCondLst>
+                                    <p:cond delay="0"/>
+                                  </p:stCondLst>
+                                  <p:childTnLst>
+                                    <p:set>
+                                      <p:cBhvr>
+                                        <p:cTn id="6" dur="1" fill="hold">
+                                          <p:stCondLst>
+                                            <p:cond delay="0"/>
+                                          </p:stCondLst>
+                                        </p:cTn>
+                                        <p:tgtEl>
+                                          <p:spTgt spid="11"/>
+                                        </p:tgtEl>
+                                        <p:attrNameLst>
+                                          <p:attrName>style.visibility</p:attrName>
+                                        </p:attrNameLst>
+                                      </p:cBhvr>
+                                      <p:to>
+                                        <p:strVal val="visible"/>
+                                      </p:to>
+                                    </p:set>
+                                    <p:animEffect transition="in" filter="wipe(up)">
+                                      <p:cBhvr>
+                                        <p:cTn id="7" dur="500"/>
+                                        <p:tgtEl>
+                                          <p:spTgt spid="11"/>
+                                        </p:tgtEl>
+                                      </p:cBhvr>
+                                    </p:animEffect>
+                                  </p:childTnLst>
+                                </p:cTn>
+                              </p:par>
+                            </p:childTnLst>
+                          </p:cTn>
+                        </p:par>
+                      </p:childTnLst>
+                    </p:cTn>
+                  </p:par>
+                </p:childTnLst>
+              </p:cTn>
+              <p:prevCondLst>
+                <p:cond evt="onPrev" delay="0">
+                  <p:tgtEl>
+                    <p:sldTgt/>
+                  </p:tgtEl>
+                </p:cond>
+              </p:prevCondLst>
+              <p:nextCondLst>
+                <p:cond evt="onNext" delay="0">
+                  <p:tgtEl>
+                    <p:sldTgt/>
+                  </p:tgtEl>
+                </p:cond>
+              </p:nextCondLst>
+            </p:seq>
+          </p:childTnLst>
+        </p:cTn>
+      </p:par>
+    </p:tnLst>
+    <p:bldLst>
+      <p:bldP spid="11" grpId="0"/>
+    </p:bldLst>
+  </p:timing>
 </p:sld>
 </file>
 
